--- a/Suresh_CBA_Presentation.pptx
+++ b/Suresh_CBA_Presentation.pptx
@@ -221,7 +221,7 @@
           <a:p>
             <a:fld id="{11E4EDAD-C4B7-5240-8D3F-3A8319E4B407}" type="datetimeFigureOut">
               <a:rPr lang="en-US" smtClean="0"/>
-              <a:t>7/20/17</a:t>
+              <a:t>7/21/17</a:t>
             </a:fld>
             <a:endParaRPr lang="en-US"/>
           </a:p>
@@ -1820,7 +1820,7 @@
           <a:p>
             <a:fld id="{56FBD073-38E3-F34D-B264-54811450B35A}" type="datetimeFigureOut">
               <a:rPr lang="en-US" smtClean="0"/>
-              <a:t>7/20/17</a:t>
+              <a:t>7/21/17</a:t>
             </a:fld>
             <a:endParaRPr lang="en-US"/>
           </a:p>
@@ -1990,7 +1990,7 @@
           <a:p>
             <a:fld id="{56FBD073-38E3-F34D-B264-54811450B35A}" type="datetimeFigureOut">
               <a:rPr lang="en-US" smtClean="0"/>
-              <a:t>7/20/17</a:t>
+              <a:t>7/21/17</a:t>
             </a:fld>
             <a:endParaRPr lang="en-US"/>
           </a:p>
@@ -2170,7 +2170,7 @@
           <a:p>
             <a:fld id="{56FBD073-38E3-F34D-B264-54811450B35A}" type="datetimeFigureOut">
               <a:rPr lang="en-US" smtClean="0"/>
-              <a:t>7/20/17</a:t>
+              <a:t>7/21/17</a:t>
             </a:fld>
             <a:endParaRPr lang="en-US"/>
           </a:p>
@@ -2340,7 +2340,7 @@
           <a:p>
             <a:fld id="{56FBD073-38E3-F34D-B264-54811450B35A}" type="datetimeFigureOut">
               <a:rPr lang="en-US" smtClean="0"/>
-              <a:t>7/20/17</a:t>
+              <a:t>7/21/17</a:t>
             </a:fld>
             <a:endParaRPr lang="en-US"/>
           </a:p>
@@ -2586,7 +2586,7 @@
           <a:p>
             <a:fld id="{56FBD073-38E3-F34D-B264-54811450B35A}" type="datetimeFigureOut">
               <a:rPr lang="en-US" smtClean="0"/>
-              <a:t>7/20/17</a:t>
+              <a:t>7/21/17</a:t>
             </a:fld>
             <a:endParaRPr lang="en-US"/>
           </a:p>
@@ -2818,7 +2818,7 @@
           <a:p>
             <a:fld id="{56FBD073-38E3-F34D-B264-54811450B35A}" type="datetimeFigureOut">
               <a:rPr lang="en-US" smtClean="0"/>
-              <a:t>7/20/17</a:t>
+              <a:t>7/21/17</a:t>
             </a:fld>
             <a:endParaRPr lang="en-US"/>
           </a:p>
@@ -3185,7 +3185,7 @@
           <a:p>
             <a:fld id="{56FBD073-38E3-F34D-B264-54811450B35A}" type="datetimeFigureOut">
               <a:rPr lang="en-US" smtClean="0"/>
-              <a:t>7/20/17</a:t>
+              <a:t>7/21/17</a:t>
             </a:fld>
             <a:endParaRPr lang="en-US"/>
           </a:p>
@@ -3303,7 +3303,7 @@
           <a:p>
             <a:fld id="{56FBD073-38E3-F34D-B264-54811450B35A}" type="datetimeFigureOut">
               <a:rPr lang="en-US" smtClean="0"/>
-              <a:t>7/20/17</a:t>
+              <a:t>7/21/17</a:t>
             </a:fld>
             <a:endParaRPr lang="en-US"/>
           </a:p>
@@ -3398,7 +3398,7 @@
           <a:p>
             <a:fld id="{56FBD073-38E3-F34D-B264-54811450B35A}" type="datetimeFigureOut">
               <a:rPr lang="en-US" smtClean="0"/>
-              <a:t>7/20/17</a:t>
+              <a:t>7/21/17</a:t>
             </a:fld>
             <a:endParaRPr lang="en-US"/>
           </a:p>
@@ -3675,7 +3675,7 @@
           <a:p>
             <a:fld id="{56FBD073-38E3-F34D-B264-54811450B35A}" type="datetimeFigureOut">
               <a:rPr lang="en-US" smtClean="0"/>
-              <a:t>7/20/17</a:t>
+              <a:t>7/21/17</a:t>
             </a:fld>
             <a:endParaRPr lang="en-US"/>
           </a:p>
@@ -3928,7 +3928,7 @@
           <a:p>
             <a:fld id="{56FBD073-38E3-F34D-B264-54811450B35A}" type="datetimeFigureOut">
               <a:rPr lang="en-US" smtClean="0"/>
-              <a:t>7/20/17</a:t>
+              <a:t>7/21/17</a:t>
             </a:fld>
             <a:endParaRPr lang="en-US"/>
           </a:p>
@@ -4141,7 +4141,7 @@
           <a:p>
             <a:fld id="{56FBD073-38E3-F34D-B264-54811450B35A}" type="datetimeFigureOut">
               <a:rPr lang="en-US" smtClean="0"/>
-              <a:t>7/20/17</a:t>
+              <a:t>7/21/17</a:t>
             </a:fld>
             <a:endParaRPr lang="en-US"/>
           </a:p>
@@ -4615,6 +4615,13 @@
   <p:clrMapOvr>
     <a:masterClrMapping/>
   </p:clrMapOvr>
+  <p:timing>
+    <p:tnLst>
+      <p:par>
+        <p:cTn id="1" dur="indefinite" restart="never" nodeType="tmRoot"/>
+      </p:par>
+    </p:tnLst>
+  </p:timing>
 </p:sld>
 </file>
 
@@ -4677,11 +4684,7 @@
           <a:p>
             <a:r>
               <a:rPr lang="en-US" dirty="0" smtClean="0"/>
-              <a:t>CB decides whether to bail out distressed banks according to a logistic objective function</a:t>
-            </a:r>
-            <a:r>
-              <a:rPr lang="en-US" dirty="0" smtClean="0"/>
-              <a:t>:</a:t>
+              <a:t>CB decides whether to bail out distressed banks according to a logistic objective function:</a:t>
             </a:r>
           </a:p>
           <a:p>
@@ -4725,11 +4728,7 @@
             </a:r>
             <a:r>
               <a:rPr lang="en-US" dirty="0" smtClean="0"/>
-              <a:t> (systemic risk) = represented by correlation of </a:t>
-            </a:r>
-            <a:r>
-              <a:rPr lang="en-US" dirty="0" smtClean="0"/>
-              <a:t>assets</a:t>
+              <a:t> (systemic risk) = represented by correlation of assets</a:t>
             </a:r>
             <a:r>
               <a:rPr lang="en-US" baseline="30000" dirty="0" smtClean="0"/>
@@ -5713,11 +5712,7 @@
           <a:p>
             <a:r>
               <a:rPr lang="en-US" dirty="0" smtClean="0"/>
-              <a:t>Investment risk is defined as the proportion of banks expected to choose each package multiplied by the volatility of that </a:t>
-            </a:r>
-            <a:r>
-              <a:rPr lang="en-US" dirty="0" smtClean="0"/>
-              <a:t>package</a:t>
+              <a:t>Investment risk is defined as the proportion of banks expected to choose each package multiplied by the volatility of that package</a:t>
             </a:r>
             <a:r>
               <a:rPr lang="en-US" baseline="30000" dirty="0"/>
@@ -6124,11 +6119,7 @@
           <a:p>
             <a:r>
               <a:rPr lang="en-US" dirty="0" smtClean="0"/>
-              <a:t>Optimal policy defined as minimizing total risk (combination of systemic and investment </a:t>
-            </a:r>
-            <a:r>
-              <a:rPr lang="en-US" dirty="0" smtClean="0"/>
-              <a:t>risk)</a:t>
+              <a:t>Optimal policy defined as minimizing total risk (combination of systemic and investment risk)</a:t>
             </a:r>
             <a:r>
               <a:rPr lang="en-US" baseline="30000" dirty="0" smtClean="0"/>
@@ -7336,6 +7327,13 @@
   <p:clrMapOvr>
     <a:masterClrMapping/>
   </p:clrMapOvr>
+  <p:timing>
+    <p:tnLst>
+      <p:par>
+        <p:cTn id="1" dur="indefinite" restart="never" nodeType="tmRoot"/>
+      </p:par>
+    </p:tnLst>
+  </p:timing>
 </p:sld>
 </file>
 
@@ -8824,11 +8822,23 @@
             </a:r>
             <a:r>
               <a:rPr lang="en-US" i="1" dirty="0" smtClean="0"/>
-              <a:t>Lecture Notes in Economics and Mathematical Systems Progress in Artificial Economics</a:t>
-            </a:r>
-            <a:r>
-              <a:rPr lang="en-US" dirty="0" smtClean="0"/>
-              <a:t>(2010): 215-26. Web. 15 June 2017.</a:t>
+              <a:t>Lecture Notes in Economics and Mathematical Systems Progress in </a:t>
+            </a:r>
+            <a:r>
+              <a:rPr lang="en-US" i="1" smtClean="0"/>
+              <a:t>Artificial </a:t>
+            </a:r>
+            <a:r>
+              <a:rPr lang="en-US" i="1" smtClean="0"/>
+              <a:t>Economics </a:t>
+            </a:r>
+            <a:r>
+              <a:rPr lang="en-US" smtClean="0"/>
+              <a:t>(</a:t>
+            </a:r>
+            <a:r>
+              <a:rPr lang="en-US" dirty="0" smtClean="0"/>
+              <a:t>2010): 215-26. Web. 15 June 2017.</a:t>
             </a:r>
           </a:p>
           <a:p>
@@ -9667,6 +9677,13 @@
   <p:clrMapOvr>
     <a:masterClrMapping/>
   </p:clrMapOvr>
+  <p:timing>
+    <p:tnLst>
+      <p:par>
+        <p:cTn id="1" dur="indefinite" restart="never" nodeType="tmRoot"/>
+      </p:par>
+    </p:tnLst>
+  </p:timing>
 </p:sld>
 </file>
 
@@ -11807,11 +11824,7 @@
           <a:p>
             <a:r>
               <a:rPr lang="en-US" dirty="0" smtClean="0"/>
-              <a:t>Systemic </a:t>
-            </a:r>
-            <a:r>
-              <a:rPr lang="en-US" dirty="0" smtClean="0"/>
-              <a:t>risk</a:t>
+              <a:t>Systemic risk</a:t>
             </a:r>
             <a:r>
               <a:rPr lang="en-US" baseline="30000" dirty="0" smtClean="0"/>

--- a/Suresh_CBA_Presentation.pptx
+++ b/Suresh_CBA_Presentation.pptx
@@ -5,7 +5,7 @@
     <p:sldMasterId id="2147483648" r:id="rId1"/>
   </p:sldMasterIdLst>
   <p:notesMasterIdLst>
-    <p:notesMasterId r:id="rId27"/>
+    <p:notesMasterId r:id="rId28"/>
   </p:notesMasterIdLst>
   <p:sldIdLst>
     <p:sldId id="256" r:id="rId2"/>
@@ -33,6 +33,7 @@
     <p:sldId id="285" r:id="rId24"/>
     <p:sldId id="257" r:id="rId25"/>
     <p:sldId id="284" r:id="rId26"/>
+    <p:sldId id="286" r:id="rId27"/>
   </p:sldIdLst>
   <p:sldSz cx="12192000" cy="6858000"/>
   <p:notesSz cx="6858000" cy="9144000"/>
@@ -221,7 +222,7 @@
           <a:p>
             <a:fld id="{11E4EDAD-C4B7-5240-8D3F-3A8319E4B407}" type="datetimeFigureOut">
               <a:rPr lang="en-US" smtClean="0"/>
-              <a:t>7/21/17</a:t>
+              <a:t>7/26/17</a:t>
             </a:fld>
             <a:endParaRPr lang="en-US"/>
           </a:p>
@@ -1820,7 +1821,7 @@
           <a:p>
             <a:fld id="{56FBD073-38E3-F34D-B264-54811450B35A}" type="datetimeFigureOut">
               <a:rPr lang="en-US" smtClean="0"/>
-              <a:t>7/21/17</a:t>
+              <a:t>7/26/17</a:t>
             </a:fld>
             <a:endParaRPr lang="en-US"/>
           </a:p>
@@ -1990,7 +1991,7 @@
           <a:p>
             <a:fld id="{56FBD073-38E3-F34D-B264-54811450B35A}" type="datetimeFigureOut">
               <a:rPr lang="en-US" smtClean="0"/>
-              <a:t>7/21/17</a:t>
+              <a:t>7/26/17</a:t>
             </a:fld>
             <a:endParaRPr lang="en-US"/>
           </a:p>
@@ -2170,7 +2171,7 @@
           <a:p>
             <a:fld id="{56FBD073-38E3-F34D-B264-54811450B35A}" type="datetimeFigureOut">
               <a:rPr lang="en-US" smtClean="0"/>
-              <a:t>7/21/17</a:t>
+              <a:t>7/26/17</a:t>
             </a:fld>
             <a:endParaRPr lang="en-US"/>
           </a:p>
@@ -2340,7 +2341,7 @@
           <a:p>
             <a:fld id="{56FBD073-38E3-F34D-B264-54811450B35A}" type="datetimeFigureOut">
               <a:rPr lang="en-US" smtClean="0"/>
-              <a:t>7/21/17</a:t>
+              <a:t>7/26/17</a:t>
             </a:fld>
             <a:endParaRPr lang="en-US"/>
           </a:p>
@@ -2586,7 +2587,7 @@
           <a:p>
             <a:fld id="{56FBD073-38E3-F34D-B264-54811450B35A}" type="datetimeFigureOut">
               <a:rPr lang="en-US" smtClean="0"/>
-              <a:t>7/21/17</a:t>
+              <a:t>7/26/17</a:t>
             </a:fld>
             <a:endParaRPr lang="en-US"/>
           </a:p>
@@ -2818,7 +2819,7 @@
           <a:p>
             <a:fld id="{56FBD073-38E3-F34D-B264-54811450B35A}" type="datetimeFigureOut">
               <a:rPr lang="en-US" smtClean="0"/>
-              <a:t>7/21/17</a:t>
+              <a:t>7/26/17</a:t>
             </a:fld>
             <a:endParaRPr lang="en-US"/>
           </a:p>
@@ -3185,7 +3186,7 @@
           <a:p>
             <a:fld id="{56FBD073-38E3-F34D-B264-54811450B35A}" type="datetimeFigureOut">
               <a:rPr lang="en-US" smtClean="0"/>
-              <a:t>7/21/17</a:t>
+              <a:t>7/26/17</a:t>
             </a:fld>
             <a:endParaRPr lang="en-US"/>
           </a:p>
@@ -3303,7 +3304,7 @@
           <a:p>
             <a:fld id="{56FBD073-38E3-F34D-B264-54811450B35A}" type="datetimeFigureOut">
               <a:rPr lang="en-US" smtClean="0"/>
-              <a:t>7/21/17</a:t>
+              <a:t>7/26/17</a:t>
             </a:fld>
             <a:endParaRPr lang="en-US"/>
           </a:p>
@@ -3398,7 +3399,7 @@
           <a:p>
             <a:fld id="{56FBD073-38E3-F34D-B264-54811450B35A}" type="datetimeFigureOut">
               <a:rPr lang="en-US" smtClean="0"/>
-              <a:t>7/21/17</a:t>
+              <a:t>7/26/17</a:t>
             </a:fld>
             <a:endParaRPr lang="en-US"/>
           </a:p>
@@ -3675,7 +3676,7 @@
           <a:p>
             <a:fld id="{56FBD073-38E3-F34D-B264-54811450B35A}" type="datetimeFigureOut">
               <a:rPr lang="en-US" smtClean="0"/>
-              <a:t>7/21/17</a:t>
+              <a:t>7/26/17</a:t>
             </a:fld>
             <a:endParaRPr lang="en-US"/>
           </a:p>
@@ -3928,7 +3929,7 @@
           <a:p>
             <a:fld id="{56FBD073-38E3-F34D-B264-54811450B35A}" type="datetimeFigureOut">
               <a:rPr lang="en-US" smtClean="0"/>
-              <a:t>7/21/17</a:t>
+              <a:t>7/26/17</a:t>
             </a:fld>
             <a:endParaRPr lang="en-US"/>
           </a:p>
@@ -4141,7 +4142,7 @@
           <a:p>
             <a:fld id="{56FBD073-38E3-F34D-B264-54811450B35A}" type="datetimeFigureOut">
               <a:rPr lang="en-US" smtClean="0"/>
-              <a:t>7/21/17</a:t>
+              <a:t>7/26/17</a:t>
             </a:fld>
             <a:endParaRPr lang="en-US"/>
           </a:p>
@@ -4817,6 +4818,13 @@
   <p:clrMapOvr>
     <a:masterClrMapping/>
   </p:clrMapOvr>
+  <p:timing>
+    <p:tnLst>
+      <p:par>
+        <p:cTn id="1" dur="indefinite" restart="never" nodeType="tmRoot"/>
+      </p:par>
+    </p:tnLst>
+  </p:timing>
 </p:sld>
 </file>
 
@@ -4884,8 +4892,8 @@
         </p:blipFill>
         <p:spPr>
           <a:xfrm>
-            <a:off x="1143000" y="2610644"/>
-            <a:ext cx="4572000" cy="2781300"/>
+            <a:off x="199539" y="2103284"/>
+            <a:ext cx="5515461" cy="3355239"/>
           </a:xfrm>
         </p:spPr>
       </p:pic>
@@ -4913,8 +4921,8 @@
         </p:blipFill>
         <p:spPr>
           <a:xfrm>
-            <a:off x="6477000" y="2782094"/>
-            <a:ext cx="4572000" cy="2438400"/>
+            <a:off x="5715000" y="2103284"/>
+            <a:ext cx="6291073" cy="3355238"/>
           </a:xfrm>
         </p:spPr>
       </p:pic>
@@ -4977,6 +4985,37 @@
               <a:t>Probability of bailout with respect to systemic risk</a:t>
             </a:r>
             <a:endParaRPr lang="en-US" sz="1600" dirty="0"/>
+          </a:p>
+        </p:txBody>
+      </p:sp>
+      <p:sp>
+        <p:nvSpPr>
+          <p:cNvPr id="9" name="TextBox 8"/>
+          <p:cNvSpPr txBox="1"/>
+          <p:nvPr/>
+        </p:nvSpPr>
+        <p:spPr>
+          <a:xfrm>
+            <a:off x="996696" y="6266434"/>
+            <a:ext cx="10210800" cy="246221"/>
+          </a:xfrm>
+          <a:prstGeom prst="rect">
+            <a:avLst/>
+          </a:prstGeom>
+          <a:noFill/>
+        </p:spPr>
+        <p:txBody>
+          <a:bodyPr wrap="square" rtlCol="0">
+            <a:spAutoFit/>
+          </a:bodyPr>
+          <a:lstStyle/>
+          <a:p>
+            <a:pPr algn="ctr"/>
+            <a:r>
+              <a:rPr lang="en-US" sz="1000" dirty="0" smtClean="0"/>
+              <a:t>Author’s calculations</a:t>
+            </a:r>
+            <a:endParaRPr lang="en-US" sz="1000" dirty="0"/>
           </a:p>
         </p:txBody>
       </p:sp>
@@ -4990,6 +5029,13 @@
   <p:clrMapOvr>
     <a:masterClrMapping/>
   </p:clrMapOvr>
+  <p:timing>
+    <p:tnLst>
+      <p:par>
+        <p:cTn id="1" dur="indefinite" restart="never" nodeType="tmRoot"/>
+      </p:par>
+    </p:tnLst>
+  </p:timing>
 </p:sld>
 </file>
 
@@ -5118,16 +5164,21 @@
             <a:pPr lvl="1"/>
             <a:r>
               <a:rPr lang="en-US" dirty="0" smtClean="0"/>
-              <a:t>Other parameters (e.g. </a:t>
-            </a:r>
-            <a:r>
-              <a:rPr lang="en-US" dirty="0" err="1" smtClean="0"/>
-              <a:t>hyperparameters</a:t>
-            </a:r>
-            <a:r>
-              <a:rPr lang="en-US" dirty="0" smtClean="0"/>
-              <a:t> in learning process) are set based on various strategies, including estimating which ones give reasonable output ranges and using machine learning conventions.</a:t>
-            </a:r>
+              <a:t>Other parameters </a:t>
+            </a:r>
+            <a:r>
+              <a:rPr lang="en-US" dirty="0" smtClean="0"/>
+              <a:t>are </a:t>
+            </a:r>
+            <a:r>
+              <a:rPr lang="en-US" dirty="0" smtClean="0"/>
+              <a:t>set based on various strategies, including estimating which ones give reasonable output ranges and using machine learning conventions.</a:t>
+            </a:r>
+            <a:r>
+              <a:rPr lang="en-US" baseline="30000" dirty="0" smtClean="0"/>
+              <a:t>4</a:t>
+            </a:r>
+            <a:endParaRPr lang="en-US" dirty="0" smtClean="0"/>
           </a:p>
         </p:txBody>
       </p:sp>
@@ -5141,6 +5192,13 @@
   <p:clrMapOvr>
     <a:masterClrMapping/>
   </p:clrMapOvr>
+  <p:timing>
+    <p:tnLst>
+      <p:par>
+        <p:cTn id="1" dur="indefinite" restart="never" nodeType="tmRoot"/>
+      </p:par>
+    </p:tnLst>
+  </p:timing>
 </p:sld>
 </file>
 
@@ -5214,8 +5272,8 @@
         </p:blipFill>
         <p:spPr>
           <a:xfrm>
-            <a:off x="838200" y="2058194"/>
-            <a:ext cx="5181600" cy="3886200"/>
+            <a:off x="0" y="1380256"/>
+            <a:ext cx="6172200" cy="4629150"/>
           </a:xfrm>
         </p:spPr>
       </p:pic>
@@ -5243,8 +5301,8 @@
         </p:blipFill>
         <p:spPr>
           <a:xfrm>
-            <a:off x="6172200" y="2058194"/>
-            <a:ext cx="5181600" cy="3886200"/>
+            <a:off x="6019800" y="1503979"/>
+            <a:ext cx="6007236" cy="4505427"/>
           </a:xfrm>
         </p:spPr>
       </p:pic>
@@ -5256,7 +5314,7 @@
         </p:nvSpPr>
         <p:spPr>
           <a:xfrm>
-            <a:off x="6172200" y="5850235"/>
+            <a:off x="6432618" y="5947923"/>
             <a:ext cx="5181600" cy="923330"/>
           </a:xfrm>
           <a:prstGeom prst="rect">
@@ -5309,7 +5367,7 @@
         </p:nvSpPr>
         <p:spPr>
           <a:xfrm>
-            <a:off x="838200" y="5850235"/>
+            <a:off x="492252" y="5920532"/>
             <a:ext cx="5181600" cy="923330"/>
           </a:xfrm>
           <a:prstGeom prst="rect">
@@ -5370,8 +5428,8 @@
         </p:nvCxnSpPr>
         <p:spPr>
           <a:xfrm flipV="1">
-            <a:off x="10086535" y="5416062"/>
-            <a:ext cx="520505" cy="773724"/>
+            <a:off x="10086535" y="5352288"/>
+            <a:ext cx="1093529" cy="837498"/>
           </a:xfrm>
           <a:prstGeom prst="straightConnector1">
             <a:avLst/>
@@ -5403,8 +5461,8 @@
         </p:nvCxnSpPr>
         <p:spPr>
           <a:xfrm flipV="1">
-            <a:off x="4656406" y="4965895"/>
-            <a:ext cx="647114" cy="1223891"/>
+            <a:off x="4656406" y="4815840"/>
+            <a:ext cx="671498" cy="1373947"/>
           </a:xfrm>
           <a:prstGeom prst="straightConnector1">
             <a:avLst/>
@@ -5428,6 +5486,35 @@
           </a:fontRef>
         </p:style>
       </p:cxnSp>
+      <p:sp>
+        <p:nvSpPr>
+          <p:cNvPr id="3" name="TextBox 2"/>
+          <p:cNvSpPr txBox="1"/>
+          <p:nvPr/>
+        </p:nvSpPr>
+        <p:spPr>
+          <a:xfrm>
+            <a:off x="5460249" y="6409588"/>
+            <a:ext cx="1271502" cy="246221"/>
+          </a:xfrm>
+          <a:prstGeom prst="rect">
+            <a:avLst/>
+          </a:prstGeom>
+          <a:noFill/>
+        </p:spPr>
+        <p:txBody>
+          <a:bodyPr wrap="none" rtlCol="0">
+            <a:spAutoFit/>
+          </a:bodyPr>
+          <a:lstStyle/>
+          <a:p>
+            <a:r>
+              <a:rPr lang="en-US" sz="1000" dirty="0" smtClean="0"/>
+              <a:t>Author’s calculations</a:t>
+            </a:r>
+          </a:p>
+        </p:txBody>
+      </p:sp>
     </p:spTree>
     <p:extLst>
       <p:ext uri="{BB962C8B-B14F-4D97-AF65-F5344CB8AC3E}">
@@ -5438,6 +5525,13 @@
   <p:clrMapOvr>
     <a:masterClrMapping/>
   </p:clrMapOvr>
+  <p:timing>
+    <p:tnLst>
+      <p:par>
+        <p:cTn id="1" dur="indefinite" restart="never" nodeType="tmRoot"/>
+      </p:par>
+    </p:tnLst>
+  </p:timing>
 </p:sld>
 </file>
 
@@ -5460,52 +5554,23 @@
       </p:grpSpPr>
       <p:sp>
         <p:nvSpPr>
-          <p:cNvPr id="2" name="Title 1"/>
+          <p:cNvPr id="3" name="Content Placeholder 2"/>
           <p:cNvSpPr>
             <a:spLocks noGrp="1"/>
           </p:cNvSpPr>
           <p:nvPr>
-            <p:ph type="title"/>
-          </p:nvPr>
-        </p:nvSpPr>
-        <p:spPr/>
+            <p:ph idx="1"/>
+          </p:nvPr>
+        </p:nvSpPr>
+        <p:spPr>
+          <a:xfrm>
+            <a:off x="838199" y="1825624"/>
+            <a:ext cx="5651653" cy="4622067"/>
+          </a:xfrm>
+        </p:spPr>
         <p:txBody>
           <a:bodyPr>
-            <a:normAutofit/>
-          </a:bodyPr>
-          <a:lstStyle/>
-          <a:p>
-            <a:r>
-              <a:rPr lang="en-US" sz="4000" dirty="0"/>
-              <a:t>6</a:t>
-            </a:r>
-            <a:r>
-              <a:rPr lang="en-US" sz="4000" dirty="0" smtClean="0"/>
-              <a:t>. Quantification of Moral Hazard—Moral Hazard</a:t>
-            </a:r>
-            <a:endParaRPr lang="en-US" sz="4000" dirty="0"/>
-          </a:p>
-        </p:txBody>
-      </p:sp>
-      <p:sp>
-        <p:nvSpPr>
-          <p:cNvPr id="3" name="Content Placeholder 2"/>
-          <p:cNvSpPr>
-            <a:spLocks noGrp="1"/>
-          </p:cNvSpPr>
-          <p:nvPr>
-            <p:ph idx="1"/>
-          </p:nvPr>
-        </p:nvSpPr>
-        <p:spPr>
-          <a:xfrm>
-            <a:off x="838200" y="1825624"/>
-            <a:ext cx="6699738" cy="4622067"/>
-          </a:xfrm>
-        </p:spPr>
-        <p:txBody>
-          <a:bodyPr>
-            <a:normAutofit/>
+            <a:normAutofit fontScale="92500"/>
           </a:bodyPr>
           <a:lstStyle/>
           <a:p>
@@ -5519,7 +5584,7 @@
             </a:r>
             <a:r>
               <a:rPr lang="en-US" dirty="0" smtClean="0"/>
-              <a:t>s from the objective function</a:t>
+              <a:t>s from objective function</a:t>
             </a:r>
           </a:p>
           <a:p>
@@ -5595,8 +5660,8 @@
         </p:blipFill>
         <p:spPr>
           <a:xfrm>
-            <a:off x="7669756" y="1267501"/>
-            <a:ext cx="3728072" cy="3713650"/>
+            <a:off x="6912864" y="951618"/>
+            <a:ext cx="4616782" cy="4598922"/>
           </a:xfrm>
           <a:prstGeom prst="rect">
             <a:avLst/>
@@ -5625,7 +5690,7 @@
         </p:blipFill>
         <p:spPr>
           <a:xfrm>
-            <a:off x="7537938" y="4981151"/>
+            <a:off x="7225401" y="5104261"/>
             <a:ext cx="3991708" cy="1466540"/>
           </a:xfrm>
           <a:prstGeom prst="rect">
@@ -5633,6 +5698,108 @@
           </a:prstGeom>
         </p:spPr>
       </p:pic>
+      <p:sp>
+        <p:nvSpPr>
+          <p:cNvPr id="7" name="TextBox 6"/>
+          <p:cNvSpPr txBox="1"/>
+          <p:nvPr/>
+        </p:nvSpPr>
+        <p:spPr>
+          <a:xfrm>
+            <a:off x="7225401" y="6532205"/>
+            <a:ext cx="3991708" cy="246221"/>
+          </a:xfrm>
+          <a:prstGeom prst="rect">
+            <a:avLst/>
+          </a:prstGeom>
+          <a:noFill/>
+        </p:spPr>
+        <p:txBody>
+          <a:bodyPr wrap="square" rtlCol="0">
+            <a:spAutoFit/>
+          </a:bodyPr>
+          <a:lstStyle/>
+          <a:p>
+            <a:pPr algn="ctr"/>
+            <a:r>
+              <a:rPr lang="en-US" sz="1000" dirty="0" smtClean="0"/>
+              <a:t>Dam and </a:t>
+            </a:r>
+            <a:r>
+              <a:rPr lang="en-US" sz="1000" dirty="0" err="1" smtClean="0"/>
+              <a:t>Koetter</a:t>
+            </a:r>
+            <a:r>
+              <a:rPr lang="en-US" sz="1000" dirty="0"/>
+              <a:t> </a:t>
+            </a:r>
+            <a:r>
+              <a:rPr lang="en-US" sz="1000" dirty="0" smtClean="0"/>
+              <a:t>2010</a:t>
+            </a:r>
+            <a:endParaRPr lang="en-US" sz="1000" dirty="0"/>
+          </a:p>
+        </p:txBody>
+      </p:sp>
+      <p:sp>
+        <p:nvSpPr>
+          <p:cNvPr id="8" name="TextBox 7"/>
+          <p:cNvSpPr txBox="1"/>
+          <p:nvPr/>
+        </p:nvSpPr>
+        <p:spPr>
+          <a:xfrm>
+            <a:off x="11104341" y="2918574"/>
+            <a:ext cx="850610" cy="400110"/>
+          </a:xfrm>
+          <a:prstGeom prst="rect">
+            <a:avLst/>
+          </a:prstGeom>
+          <a:noFill/>
+        </p:spPr>
+        <p:txBody>
+          <a:bodyPr wrap="square" rtlCol="0">
+            <a:spAutoFit/>
+          </a:bodyPr>
+          <a:lstStyle/>
+          <a:p>
+            <a:pPr algn="ctr"/>
+            <a:r>
+              <a:rPr lang="en-US" sz="1000" dirty="0" smtClean="0"/>
+              <a:t>Author’s calculations</a:t>
+            </a:r>
+          </a:p>
+        </p:txBody>
+      </p:sp>
+      <p:sp>
+        <p:nvSpPr>
+          <p:cNvPr id="2" name="Title 1"/>
+          <p:cNvSpPr>
+            <a:spLocks noGrp="1"/>
+          </p:cNvSpPr>
+          <p:nvPr>
+            <p:ph type="title"/>
+          </p:nvPr>
+        </p:nvSpPr>
+        <p:spPr/>
+        <p:txBody>
+          <a:bodyPr>
+            <a:normAutofit/>
+          </a:bodyPr>
+          <a:lstStyle/>
+          <a:p>
+            <a:r>
+              <a:rPr lang="en-US" sz="4000" dirty="0"/>
+              <a:t>6</a:t>
+            </a:r>
+            <a:r>
+              <a:rPr lang="en-US" sz="4000" dirty="0" smtClean="0"/>
+              <a:t>. Quantification of Moral Hazard—Moral Hazard</a:t>
+            </a:r>
+            <a:endParaRPr lang="en-US" sz="4000" dirty="0"/>
+          </a:p>
+        </p:txBody>
+      </p:sp>
     </p:spTree>
     <p:extLst>
       <p:ext uri="{BB962C8B-B14F-4D97-AF65-F5344CB8AC3E}">
@@ -5643,6 +5810,13 @@
   <p:clrMapOvr>
     <a:masterClrMapping/>
   </p:clrMapOvr>
+  <p:timing>
+    <p:tnLst>
+      <p:par>
+        <p:cTn id="1" dur="indefinite" restart="never" nodeType="tmRoot"/>
+      </p:par>
+    </p:tnLst>
+  </p:timing>
 </p:sld>
 </file>
 
@@ -5701,7 +5875,7 @@
         <p:spPr>
           <a:xfrm>
             <a:off x="838200" y="1825625"/>
-            <a:ext cx="5890846" cy="4351338"/>
+            <a:ext cx="5428488" cy="4351338"/>
           </a:xfrm>
         </p:spPr>
         <p:txBody>
@@ -5716,17 +5890,19 @@
             </a:r>
             <a:r>
               <a:rPr lang="en-US" baseline="30000" dirty="0"/>
-              <a:t>4</a:t>
+              <a:t>5</a:t>
             </a:r>
             <a:endParaRPr lang="en-US" dirty="0" smtClean="0"/>
           </a:p>
           <a:p>
+            <a:pPr algn="just"/>
             <a:r>
               <a:rPr lang="en-US" dirty="0" smtClean="0"/>
               <a:t>As CB bails out more, it decreases amount of systemic damage but also incentivizes risk-taking on the part of the commercial banks</a:t>
             </a:r>
           </a:p>
           <a:p>
+            <a:pPr algn="just"/>
             <a:endParaRPr lang="en-US" dirty="0"/>
           </a:p>
         </p:txBody>
@@ -5753,14 +5929,43 @@
         </p:blipFill>
         <p:spPr>
           <a:xfrm>
-            <a:off x="6963506" y="1585181"/>
-            <a:ext cx="4132385" cy="4116399"/>
+            <a:off x="6619318" y="1280383"/>
+            <a:ext cx="5462954" cy="5441821"/>
           </a:xfrm>
           <a:prstGeom prst="rect">
             <a:avLst/>
           </a:prstGeom>
         </p:spPr>
       </p:pic>
+      <p:sp>
+        <p:nvSpPr>
+          <p:cNvPr id="5" name="TextBox 4"/>
+          <p:cNvSpPr txBox="1"/>
+          <p:nvPr/>
+        </p:nvSpPr>
+        <p:spPr>
+          <a:xfrm>
+            <a:off x="8951781" y="6599093"/>
+            <a:ext cx="1271502" cy="246221"/>
+          </a:xfrm>
+          <a:prstGeom prst="rect">
+            <a:avLst/>
+          </a:prstGeom>
+          <a:noFill/>
+        </p:spPr>
+        <p:txBody>
+          <a:bodyPr wrap="none" rtlCol="0">
+            <a:spAutoFit/>
+          </a:bodyPr>
+          <a:lstStyle/>
+          <a:p>
+            <a:r>
+              <a:rPr lang="en-US" sz="1000" dirty="0" smtClean="0"/>
+              <a:t>Author’s calculations</a:t>
+            </a:r>
+          </a:p>
+        </p:txBody>
+      </p:sp>
     </p:spTree>
     <p:extLst>
       <p:ext uri="{BB962C8B-B14F-4D97-AF65-F5344CB8AC3E}">
@@ -5771,6 +5976,13 @@
   <p:clrMapOvr>
     <a:masterClrMapping/>
   </p:clrMapOvr>
+  <p:timing>
+    <p:tnLst>
+      <p:par>
+        <p:cTn id="1" dur="indefinite" restart="never" nodeType="tmRoot"/>
+      </p:par>
+    </p:tnLst>
+  </p:timing>
 </p:sld>
 </file>
 
@@ -6038,6 +6250,35 @@
           </a:p>
         </p:txBody>
       </p:sp>
+      <p:sp>
+        <p:nvSpPr>
+          <p:cNvPr id="12" name="TextBox 11"/>
+          <p:cNvSpPr txBox="1"/>
+          <p:nvPr/>
+        </p:nvSpPr>
+        <p:spPr>
+          <a:xfrm>
+            <a:off x="5603270" y="6475516"/>
+            <a:ext cx="1271502" cy="246221"/>
+          </a:xfrm>
+          <a:prstGeom prst="rect">
+            <a:avLst/>
+          </a:prstGeom>
+          <a:noFill/>
+        </p:spPr>
+        <p:txBody>
+          <a:bodyPr wrap="none" rtlCol="0">
+            <a:spAutoFit/>
+          </a:bodyPr>
+          <a:lstStyle/>
+          <a:p>
+            <a:r>
+              <a:rPr lang="en-US" sz="1000" dirty="0" smtClean="0"/>
+              <a:t>Author’s calculations</a:t>
+            </a:r>
+          </a:p>
+        </p:txBody>
+      </p:sp>
     </p:spTree>
     <p:extLst>
       <p:ext uri="{BB962C8B-B14F-4D97-AF65-F5344CB8AC3E}">
@@ -6048,6 +6289,13 @@
   <p:clrMapOvr>
     <a:masterClrMapping/>
   </p:clrMapOvr>
+  <p:timing>
+    <p:tnLst>
+      <p:par>
+        <p:cTn id="1" dur="indefinite" restart="never" nodeType="tmRoot"/>
+      </p:par>
+    </p:tnLst>
+  </p:timing>
 </p:sld>
 </file>
 
@@ -6122,8 +6370,8 @@
               <a:t>Optimal policy defined as minimizing total risk (combination of systemic and investment risk)</a:t>
             </a:r>
             <a:r>
-              <a:rPr lang="en-US" baseline="30000" dirty="0" smtClean="0"/>
-              <a:t>5</a:t>
+              <a:rPr lang="en-US" baseline="30000" dirty="0"/>
+              <a:t>6</a:t>
             </a:r>
             <a:endParaRPr lang="en-US" dirty="0" smtClean="0"/>
           </a:p>
@@ -6174,7 +6422,15 @@
             <a:pPr lvl="1"/>
             <a:r>
               <a:rPr lang="en-US" dirty="0" smtClean="0"/>
-              <a:t>Pay more attention attention to systemic risk than moral hazard and cost</a:t>
+              <a:t>Pay more attention </a:t>
+            </a:r>
+            <a:r>
+              <a:rPr lang="en-US" dirty="0" smtClean="0"/>
+              <a:t>to </a:t>
+            </a:r>
+            <a:r>
+              <a:rPr lang="en-US" dirty="0" smtClean="0"/>
+              <a:t>systemic risk than moral hazard and cost</a:t>
             </a:r>
           </a:p>
           <a:p>
@@ -6213,6 +6469,35 @@
           </a:prstGeom>
         </p:spPr>
       </p:pic>
+      <p:sp>
+        <p:nvSpPr>
+          <p:cNvPr id="5" name="TextBox 4"/>
+          <p:cNvSpPr txBox="1"/>
+          <p:nvPr/>
+        </p:nvSpPr>
+        <p:spPr>
+          <a:xfrm>
+            <a:off x="9102858" y="6526425"/>
+            <a:ext cx="1271502" cy="246221"/>
+          </a:xfrm>
+          <a:prstGeom prst="rect">
+            <a:avLst/>
+          </a:prstGeom>
+          <a:noFill/>
+        </p:spPr>
+        <p:txBody>
+          <a:bodyPr wrap="none" rtlCol="0">
+            <a:spAutoFit/>
+          </a:bodyPr>
+          <a:lstStyle/>
+          <a:p>
+            <a:r>
+              <a:rPr lang="en-US" sz="1000" dirty="0" smtClean="0"/>
+              <a:t>Author’s calculations</a:t>
+            </a:r>
+          </a:p>
+        </p:txBody>
+      </p:sp>
     </p:spTree>
     <p:extLst>
       <p:ext uri="{BB962C8B-B14F-4D97-AF65-F5344CB8AC3E}">
@@ -6223,6 +6508,13 @@
   <p:clrMapOvr>
     <a:masterClrMapping/>
   </p:clrMapOvr>
+  <p:timing>
+    <p:tnLst>
+      <p:par>
+        <p:cTn id="1" dur="indefinite" restart="never" nodeType="tmRoot"/>
+      </p:par>
+    </p:tnLst>
+  </p:timing>
 </p:sld>
 </file>
 
@@ -7152,6 +7444,35 @@
           </a:fontRef>
         </p:style>
       </p:cxnSp>
+      <p:sp>
+        <p:nvSpPr>
+          <p:cNvPr id="12" name="TextBox 11"/>
+          <p:cNvSpPr txBox="1"/>
+          <p:nvPr/>
+        </p:nvSpPr>
+        <p:spPr>
+          <a:xfrm>
+            <a:off x="5467646" y="6378771"/>
+            <a:ext cx="1271502" cy="246221"/>
+          </a:xfrm>
+          <a:prstGeom prst="rect">
+            <a:avLst/>
+          </a:prstGeom>
+          <a:noFill/>
+        </p:spPr>
+        <p:txBody>
+          <a:bodyPr wrap="none" rtlCol="0">
+            <a:spAutoFit/>
+          </a:bodyPr>
+          <a:lstStyle/>
+          <a:p>
+            <a:r>
+              <a:rPr lang="en-US" sz="1000" dirty="0" smtClean="0"/>
+              <a:t>Author’s calculations</a:t>
+            </a:r>
+          </a:p>
+        </p:txBody>
+      </p:sp>
     </p:spTree>
     <p:extLst>
       <p:ext uri="{BB962C8B-B14F-4D97-AF65-F5344CB8AC3E}">
@@ -7396,7 +7717,19 @@
           <a:p>
             <a:r>
               <a:rPr lang="en-US" dirty="0" smtClean="0"/>
-              <a:t>How about instantaneous change: what if </a:t>
+              <a:t>How </a:t>
+            </a:r>
+            <a:r>
+              <a:rPr lang="en-US" smtClean="0"/>
+              <a:t>about </a:t>
+            </a:r>
+            <a:r>
+              <a:rPr lang="en-US" smtClean="0"/>
+              <a:t>country-wide risk </a:t>
+            </a:r>
+            <a:r>
+              <a:rPr lang="en-US" dirty="0" smtClean="0"/>
+              <a:t>premium?: what if </a:t>
             </a:r>
             <a:r>
               <a:rPr lang="en-US" b="1" i="1" dirty="0" smtClean="0"/>
@@ -8304,54 +8637,14 @@
       </p:sp>
       <p:sp>
         <p:nvSpPr>
-          <p:cNvPr id="8" name="Up Arrow 7"/>
-          <p:cNvSpPr/>
-          <p:nvPr/>
-        </p:nvSpPr>
-        <p:spPr>
-          <a:xfrm flipH="1">
-            <a:off x="3840480" y="5873351"/>
-            <a:ext cx="266298" cy="443044"/>
-          </a:xfrm>
-          <a:prstGeom prst="upArrow">
-            <a:avLst/>
-          </a:prstGeom>
-        </p:spPr>
-        <p:style>
-          <a:lnRef idx="2">
-            <a:schemeClr val="accent1">
-              <a:shade val="50000"/>
-            </a:schemeClr>
-          </a:lnRef>
-          <a:fillRef idx="1">
-            <a:schemeClr val="accent1"/>
-          </a:fillRef>
-          <a:effectRef idx="0">
-            <a:schemeClr val="accent1"/>
-          </a:effectRef>
-          <a:fontRef idx="minor">
-            <a:schemeClr val="lt1"/>
-          </a:fontRef>
-        </p:style>
-        <p:txBody>
-          <a:bodyPr rtlCol="0" anchor="ctr"/>
-          <a:lstStyle/>
-          <a:p>
-            <a:pPr algn="ctr"/>
-            <a:endParaRPr lang="en-US"/>
-          </a:p>
-        </p:txBody>
-      </p:sp>
-      <p:sp>
-        <p:nvSpPr>
-          <p:cNvPr id="15" name="TextBox 14"/>
+          <p:cNvPr id="12" name="TextBox 11"/>
           <p:cNvSpPr txBox="1"/>
           <p:nvPr/>
         </p:nvSpPr>
         <p:spPr>
           <a:xfrm>
-            <a:off x="3493895" y="6352044"/>
-            <a:ext cx="1043876" cy="369332"/>
+            <a:off x="5450862" y="6324248"/>
+            <a:ext cx="1271502" cy="246221"/>
           </a:xfrm>
           <a:prstGeom prst="rect">
             <a:avLst/>
@@ -8365,10 +8658,9 @@
           <a:lstStyle/>
           <a:p>
             <a:r>
-              <a:rPr lang="en-US" smtClean="0"/>
-              <a:t>No shock</a:t>
-            </a:r>
-            <a:endParaRPr lang="en-US"/>
+              <a:rPr lang="en-US" sz="1000" dirty="0" smtClean="0"/>
+              <a:t>Author’s calculations</a:t>
+            </a:r>
           </a:p>
         </p:txBody>
       </p:sp>
@@ -8445,7 +8737,7 @@
         <p:spPr/>
         <p:txBody>
           <a:bodyPr>
-            <a:normAutofit/>
+            <a:normAutofit lnSpcReduction="10000"/>
           </a:bodyPr>
           <a:lstStyle/>
           <a:p>
@@ -8508,6 +8800,13 @@
             <a:r>
               <a:rPr lang="en-US" dirty="0" smtClean="0"/>
               <a:t>Further study optimal policy recommendation</a:t>
+            </a:r>
+          </a:p>
+          <a:p>
+            <a:pPr lvl="1"/>
+            <a:r>
+              <a:rPr lang="en-US" dirty="0" smtClean="0"/>
+              <a:t>“Too big to fail”</a:t>
             </a:r>
           </a:p>
         </p:txBody>
@@ -8822,23 +9121,11 @@
             </a:r>
             <a:r>
               <a:rPr lang="en-US" i="1" dirty="0" smtClean="0"/>
-              <a:t>Lecture Notes in Economics and Mathematical Systems Progress in </a:t>
-            </a:r>
-            <a:r>
-              <a:rPr lang="en-US" i="1" smtClean="0"/>
-              <a:t>Artificial </a:t>
-            </a:r>
-            <a:r>
-              <a:rPr lang="en-US" i="1" smtClean="0"/>
-              <a:t>Economics </a:t>
-            </a:r>
-            <a:r>
-              <a:rPr lang="en-US" smtClean="0"/>
-              <a:t>(</a:t>
-            </a:r>
-            <a:r>
-              <a:rPr lang="en-US" dirty="0" smtClean="0"/>
-              <a:t>2010): 215-26. Web. 15 June 2017.</a:t>
+              <a:t>Lecture Notes in Economics and Mathematical Systems Progress in Artificial Economics </a:t>
+            </a:r>
+            <a:r>
+              <a:rPr lang="en-US" dirty="0" smtClean="0"/>
+              <a:t>(2010): 215-26. Web. 15 June 2017.</a:t>
             </a:r>
           </a:p>
           <a:p>
@@ -9291,7 +9578,7 @@
         <p:spPr>
           <a:xfrm>
             <a:off x="6381514" y="1825625"/>
-            <a:ext cx="1846075" cy="4351338"/>
+            <a:ext cx="4313490" cy="4351338"/>
           </a:xfrm>
           <a:prstGeom prst="rect">
             <a:avLst/>
@@ -9477,7 +9764,16 @@
           <a:p>
             <a:r>
               <a:rPr lang="en-US" dirty="0" smtClean="0"/>
-              <a:t>4:</a:t>
+              <a:t>4: tables on next page</a:t>
+            </a:r>
+          </a:p>
+          <a:p>
+            <a:endParaRPr lang="en-US" dirty="0" smtClean="0"/>
+          </a:p>
+          <a:p>
+            <a:r>
+              <a:rPr lang="en-US" dirty="0" smtClean="0"/>
+              <a:t>5:</a:t>
             </a:r>
           </a:p>
           <a:p>
@@ -9485,8 +9781,12 @@
           </a:p>
           <a:p>
             <a:r>
-              <a:rPr lang="en-US" dirty="0" smtClean="0"/>
-              <a:t>5:   </a:t>
+              <a:rPr lang="en-US" dirty="0"/>
+              <a:t>6</a:t>
+            </a:r>
+            <a:r>
+              <a:rPr lang="en-US" dirty="0" smtClean="0"/>
+              <a:t>:   </a:t>
             </a:r>
             <a:endParaRPr lang="en-US" dirty="0"/>
           </a:p>
@@ -9543,7 +9843,7 @@
         </p:blipFill>
         <p:spPr>
           <a:xfrm>
-            <a:off x="7274709" y="2581752"/>
+            <a:off x="7280793" y="3599045"/>
             <a:ext cx="2534309" cy="1114230"/>
           </a:xfrm>
           <a:prstGeom prst="rect">
@@ -9572,7 +9872,7 @@
         </p:blipFill>
         <p:spPr>
           <a:xfrm>
-            <a:off x="7278327" y="3878217"/>
+            <a:off x="7284411" y="4895510"/>
             <a:ext cx="3919423" cy="518130"/>
           </a:xfrm>
           <a:prstGeom prst="rect">
@@ -9590,6 +9890,133 @@
   <p:clrMapOvr>
     <a:masterClrMapping/>
   </p:clrMapOvr>
+  <p:timing>
+    <p:tnLst>
+      <p:par>
+        <p:cTn id="1" dur="indefinite" restart="never" nodeType="tmRoot"/>
+      </p:par>
+    </p:tnLst>
+  </p:timing>
+</p:sld>
+</file>
+
+<file path=ppt/slides/slide26.xml><?xml version="1.0" encoding="utf-8"?>
+<p:sld xmlns:a="http://schemas.openxmlformats.org/drawingml/2006/main" xmlns:r="http://schemas.openxmlformats.org/officeDocument/2006/relationships" xmlns:p="http://schemas.openxmlformats.org/presentationml/2006/main">
+  <p:cSld>
+    <p:spTree>
+      <p:nvGrpSpPr>
+        <p:cNvPr id="1" name=""/>
+        <p:cNvGrpSpPr/>
+        <p:nvPr/>
+      </p:nvGrpSpPr>
+      <p:grpSpPr>
+        <a:xfrm>
+          <a:off x="0" y="0"/>
+          <a:ext cx="0" cy="0"/>
+          <a:chOff x="0" y="0"/>
+          <a:chExt cx="0" cy="0"/>
+        </a:xfrm>
+      </p:grpSpPr>
+      <p:sp>
+        <p:nvSpPr>
+          <p:cNvPr id="2" name="Title 1"/>
+          <p:cNvSpPr>
+            <a:spLocks noGrp="1"/>
+          </p:cNvSpPr>
+          <p:nvPr>
+            <p:ph type="title"/>
+          </p:nvPr>
+        </p:nvSpPr>
+        <p:spPr/>
+        <p:txBody>
+          <a:bodyPr/>
+          <a:lstStyle/>
+          <a:p>
+            <a:r>
+              <a:rPr lang="en-US" dirty="0" smtClean="0"/>
+              <a:t>Math Appendix (cont.)</a:t>
+            </a:r>
+            <a:endParaRPr lang="en-US" dirty="0"/>
+          </a:p>
+        </p:txBody>
+      </p:sp>
+      <p:pic>
+        <p:nvPicPr>
+          <p:cNvPr id="4" name="Picture 3"/>
+          <p:cNvPicPr>
+            <a:picLocks noChangeAspect="1"/>
+          </p:cNvPicPr>
+          <p:nvPr/>
+        </p:nvPicPr>
+        <p:blipFill>
+          <a:blip r:embed="rId2">
+            <a:extLst>
+              <a:ext uri="{28A0092B-C50C-407E-A947-70E740481C1C}">
+                <a14:useLocalDpi xmlns:a14="http://schemas.microsoft.com/office/drawing/2010/main" val="0"/>
+              </a:ext>
+            </a:extLst>
+          </a:blip>
+          <a:stretch>
+            <a:fillRect/>
+          </a:stretch>
+        </p:blipFill>
+        <p:spPr>
+          <a:xfrm>
+            <a:off x="7336536" y="1705223"/>
+            <a:ext cx="4258056" cy="4352679"/>
+          </a:xfrm>
+          <a:prstGeom prst="rect">
+            <a:avLst/>
+          </a:prstGeom>
+        </p:spPr>
+      </p:pic>
+      <p:pic>
+        <p:nvPicPr>
+          <p:cNvPr id="5" name="Picture 4"/>
+          <p:cNvPicPr>
+            <a:picLocks noChangeAspect="1"/>
+          </p:cNvPicPr>
+          <p:nvPr/>
+        </p:nvPicPr>
+        <p:blipFill>
+          <a:blip r:embed="rId3">
+            <a:extLst>
+              <a:ext uri="{28A0092B-C50C-407E-A947-70E740481C1C}">
+                <a14:useLocalDpi xmlns:a14="http://schemas.microsoft.com/office/drawing/2010/main" val="0"/>
+              </a:ext>
+            </a:extLst>
+          </a:blip>
+          <a:stretch>
+            <a:fillRect/>
+          </a:stretch>
+        </p:blipFill>
+        <p:spPr>
+          <a:xfrm>
+            <a:off x="838200" y="2264534"/>
+            <a:ext cx="6340698" cy="3234055"/>
+          </a:xfrm>
+          <a:prstGeom prst="rect">
+            <a:avLst/>
+          </a:prstGeom>
+        </p:spPr>
+      </p:pic>
+    </p:spTree>
+    <p:extLst>
+      <p:ext uri="{BB962C8B-B14F-4D97-AF65-F5344CB8AC3E}">
+        <p14:creationId xmlns:p14="http://schemas.microsoft.com/office/powerpoint/2010/main" val="32643729"/>
+      </p:ext>
+    </p:extLst>
+  </p:cSld>
+  <p:clrMapOvr>
+    <a:masterClrMapping/>
+  </p:clrMapOvr>
+  <p:timing>
+    <p:tnLst>
+      <p:par>
+        <p:cTn id="1" dur="indefinite" restart="never" nodeType="tmRoot"/>
+      </p:par>
+    </p:tnLst>
+  </p:timing>
 </p:sld>
 </file>
 
@@ -9651,6 +10078,13 @@
             <a:r>
               <a:rPr lang="en-US" dirty="0" smtClean="0"/>
               <a:t>Is there a way to quantify moral hazard in cases of bailout consideration of distressed, insolvent banks?</a:t>
+            </a:r>
+          </a:p>
+          <a:p>
+            <a:pPr lvl="1"/>
+            <a:r>
+              <a:rPr lang="en-US" dirty="0" smtClean="0"/>
+              <a:t>Moral hazard—the increase in risk-taking tendencies due to CB lenience</a:t>
             </a:r>
           </a:p>
           <a:p>
@@ -9765,6 +10199,49 @@
           </a:xfrm>
         </p:spPr>
       </p:pic>
+      <p:sp>
+        <p:nvSpPr>
+          <p:cNvPr id="3" name="TextBox 2"/>
+          <p:cNvSpPr txBox="1"/>
+          <p:nvPr/>
+        </p:nvSpPr>
+        <p:spPr>
+          <a:xfrm>
+            <a:off x="648195" y="5767844"/>
+            <a:ext cx="10515600" cy="369332"/>
+          </a:xfrm>
+          <a:prstGeom prst="rect">
+            <a:avLst/>
+          </a:prstGeom>
+          <a:noFill/>
+        </p:spPr>
+        <p:txBody>
+          <a:bodyPr wrap="square" rtlCol="0">
+            <a:spAutoFit/>
+          </a:bodyPr>
+          <a:lstStyle/>
+          <a:p>
+            <a:pPr algn="ctr"/>
+            <a:r>
+              <a:rPr lang="en-US" dirty="0" smtClean="0"/>
+              <a:t>Dam and </a:t>
+            </a:r>
+            <a:r>
+              <a:rPr lang="en-US" dirty="0" err="1" smtClean="0"/>
+              <a:t>Koetter</a:t>
+            </a:r>
+            <a:r>
+              <a:rPr lang="en-US" dirty="0"/>
+              <a:t> </a:t>
+            </a:r>
+            <a:r>
+              <a:rPr lang="en-US" dirty="0" smtClean="0"/>
+              <a:t>2010</a:t>
+            </a:r>
+            <a:endParaRPr lang="en-US" dirty="0"/>
+          </a:p>
+        </p:txBody>
+      </p:sp>
     </p:spTree>
     <p:extLst>
       <p:ext uri="{BB962C8B-B14F-4D97-AF65-F5344CB8AC3E}">
@@ -9775,6 +10252,13 @@
   <p:clrMapOvr>
     <a:masterClrMapping/>
   </p:clrMapOvr>
+  <p:timing>
+    <p:tnLst>
+      <p:par>
+        <p:cTn id="1" dur="indefinite" restart="never" nodeType="tmRoot"/>
+      </p:par>
+    </p:tnLst>
+  </p:timing>
 </p:sld>
 </file>
 
@@ -9843,6 +10327,13 @@
           <a:p>
             <a:r>
               <a:rPr lang="en-US" dirty="0" smtClean="0"/>
+              <a:t>Bailout context</a:t>
+            </a:r>
+          </a:p>
+          <a:p>
+            <a:pPr lvl="1"/>
+            <a:r>
+              <a:rPr lang="en-US" dirty="0" smtClean="0"/>
               <a:t>Dam and </a:t>
             </a:r>
             <a:r>
@@ -9855,16 +10346,18 @@
             </a:r>
           </a:p>
           <a:p>
+            <a:pPr lvl="1"/>
             <a:r>
               <a:rPr lang="en-US" dirty="0" err="1" smtClean="0"/>
               <a:t>Freixas</a:t>
             </a:r>
             <a:r>
               <a:rPr lang="en-US" dirty="0" smtClean="0"/>
-              <a:t> (2000): conditionality—an upper bound of debt past which the CB should not bail out</a:t>
-            </a:r>
-          </a:p>
-          <a:p>
+              <a:t> (2000): conditionality—an upper bound of bank debt past which the CB should not bail out</a:t>
+            </a:r>
+          </a:p>
+          <a:p>
+            <a:pPr lvl="1"/>
             <a:r>
               <a:rPr lang="en-US" dirty="0" err="1" smtClean="0"/>
               <a:t>Cordella</a:t>
@@ -9883,6 +10376,7 @@
             </a:r>
           </a:p>
           <a:p>
+            <a:pPr lvl="1"/>
             <a:r>
               <a:rPr lang="en-US" dirty="0" smtClean="0"/>
               <a:t>Acharya</a:t>
@@ -9897,8 +10391,12 @@
           </a:p>
           <a:p>
             <a:r>
-              <a:rPr lang="en-US" dirty="0" smtClean="0"/>
-              <a:t>Techniques applied to monetary policy (inflation-unemployment game)</a:t>
+              <a:rPr lang="en-US" dirty="0" err="1" smtClean="0"/>
+              <a:t>Methodolgoical</a:t>
+            </a:r>
+            <a:r>
+              <a:rPr lang="en-US" dirty="0" smtClean="0"/>
+              <a:t> techniques applied to monetary policy (inflation-unemployment game)</a:t>
             </a:r>
           </a:p>
           <a:p>
@@ -9948,6 +10446,13 @@
   <p:clrMapOvr>
     <a:masterClrMapping/>
   </p:clrMapOvr>
+  <p:timing>
+    <p:tnLst>
+      <p:par>
+        <p:cTn id="1" dur="indefinite" restart="never" nodeType="tmRoot"/>
+      </p:par>
+    </p:tnLst>
+  </p:timing>
 </p:sld>
 </file>
 
@@ -10091,6 +10596,13 @@
   <p:clrMapOvr>
     <a:masterClrMapping/>
   </p:clrMapOvr>
+  <p:timing>
+    <p:tnLst>
+      <p:par>
+        <p:cTn id="1" dur="indefinite" restart="never" nodeType="tmRoot"/>
+      </p:par>
+    </p:tnLst>
+  </p:timing>
 </p:sld>
 </file>
 
@@ -11471,44 +11983,6 @@
           </a:fontRef>
         </p:style>
       </p:cxnSp>
-      <p:sp>
-        <p:nvSpPr>
-          <p:cNvPr id="66" name="TextBox 65"/>
-          <p:cNvSpPr txBox="1"/>
-          <p:nvPr/>
-        </p:nvSpPr>
-        <p:spPr>
-          <a:xfrm>
-            <a:off x="7401950" y="4666852"/>
-            <a:ext cx="1334087" cy="369332"/>
-          </a:xfrm>
-          <a:prstGeom prst="rect">
-            <a:avLst/>
-          </a:prstGeom>
-          <a:noFill/>
-        </p:spPr>
-        <p:txBody>
-          <a:bodyPr wrap="square" rtlCol="0">
-            <a:spAutoFit/>
-          </a:bodyPr>
-          <a:lstStyle/>
-          <a:p>
-            <a:r>
-              <a:rPr lang="en-US" dirty="0" smtClean="0"/>
-              <a:t>Increasing </a:t>
-            </a:r>
-            <a:r>
-              <a:rPr lang="en-US" dirty="0" err="1" smtClean="0"/>
-              <a:t>v</a:t>
-            </a:r>
-            <a:r>
-              <a:rPr lang="en-US" baseline="-25000" dirty="0" err="1" smtClean="0"/>
-              <a:t>j</a:t>
-            </a:r>
-            <a:endParaRPr lang="en-US" dirty="0"/>
-          </a:p>
-        </p:txBody>
-      </p:sp>
       <p:pic>
         <p:nvPicPr>
           <p:cNvPr id="67" name="Picture 66"/>
@@ -11531,8 +12005,8 @@
         </p:blipFill>
         <p:spPr>
           <a:xfrm>
-            <a:off x="8893726" y="1476745"/>
-            <a:ext cx="3221375" cy="1825446"/>
+            <a:off x="8812936" y="1396052"/>
+            <a:ext cx="3379064" cy="1914803"/>
           </a:xfrm>
           <a:prstGeom prst="rect">
             <a:avLst/>
@@ -11561,8 +12035,8 @@
         </p:blipFill>
         <p:spPr>
           <a:xfrm>
-            <a:off x="8885262" y="3936397"/>
-            <a:ext cx="3229839" cy="1830242"/>
+            <a:off x="8812237" y="3846185"/>
+            <a:ext cx="3377943" cy="1914167"/>
           </a:xfrm>
           <a:prstGeom prst="rect">
             <a:avLst/>
@@ -11634,10 +12108,10 @@
           <a:p>
             <a:pPr algn="ctr"/>
             <a:r>
-              <a:rPr lang="en-US" smtClean="0"/>
+              <a:rPr lang="en-US" dirty="0" smtClean="0"/>
               <a:t>Bailout</a:t>
             </a:r>
-            <a:endParaRPr lang="en-US"/>
+            <a:endParaRPr lang="en-US" dirty="0"/>
           </a:p>
         </p:txBody>
       </p:sp>
@@ -11748,6 +12222,238 @@
           </a:fontRef>
         </p:style>
       </p:cxnSp>
+      <p:sp>
+        <p:nvSpPr>
+          <p:cNvPr id="3" name="TextBox 2"/>
+          <p:cNvSpPr txBox="1"/>
+          <p:nvPr/>
+        </p:nvSpPr>
+        <p:spPr>
+          <a:xfrm>
+            <a:off x="8885263" y="6498336"/>
+            <a:ext cx="3229838" cy="246221"/>
+          </a:xfrm>
+          <a:prstGeom prst="rect">
+            <a:avLst/>
+          </a:prstGeom>
+          <a:noFill/>
+        </p:spPr>
+        <p:txBody>
+          <a:bodyPr wrap="square" rtlCol="0">
+            <a:spAutoFit/>
+          </a:bodyPr>
+          <a:lstStyle/>
+          <a:p>
+            <a:pPr algn="ctr"/>
+            <a:r>
+              <a:rPr lang="en-US" sz="1000" dirty="0" smtClean="0"/>
+              <a:t>Author’s calculations</a:t>
+            </a:r>
+            <a:endParaRPr lang="en-US" sz="1000" dirty="0"/>
+          </a:p>
+        </p:txBody>
+      </p:sp>
+      <p:grpSp>
+        <p:nvGrpSpPr>
+          <p:cNvPr id="28" name="Group 27"/>
+          <p:cNvGrpSpPr/>
+          <p:nvPr/>
+        </p:nvGrpSpPr>
+        <p:grpSpPr>
+          <a:xfrm>
+            <a:off x="7709564" y="4212221"/>
+            <a:ext cx="638439" cy="1278594"/>
+            <a:chOff x="7883769" y="4207251"/>
+            <a:chExt cx="638439" cy="1278594"/>
+          </a:xfrm>
+        </p:grpSpPr>
+        <p:cxnSp>
+          <p:nvCxnSpPr>
+            <p:cNvPr id="6" name="Straight Connector 5"/>
+            <p:cNvCxnSpPr/>
+            <p:nvPr/>
+          </p:nvCxnSpPr>
+          <p:spPr>
+            <a:xfrm>
+              <a:off x="8225145" y="4207251"/>
+              <a:ext cx="0" cy="1278594"/>
+            </a:xfrm>
+            <a:prstGeom prst="line">
+              <a:avLst/>
+            </a:prstGeom>
+          </p:spPr>
+          <p:style>
+            <a:lnRef idx="1">
+              <a:schemeClr val="accent1"/>
+            </a:lnRef>
+            <a:fillRef idx="0">
+              <a:schemeClr val="accent1"/>
+            </a:fillRef>
+            <a:effectRef idx="0">
+              <a:schemeClr val="accent1"/>
+            </a:effectRef>
+            <a:fontRef idx="minor">
+              <a:schemeClr val="tx1"/>
+            </a:fontRef>
+          </p:style>
+        </p:cxnSp>
+        <p:cxnSp>
+          <p:nvCxnSpPr>
+            <p:cNvPr id="10" name="Straight Connector 9"/>
+            <p:cNvCxnSpPr/>
+            <p:nvPr/>
+          </p:nvCxnSpPr>
+          <p:spPr>
+            <a:xfrm>
+              <a:off x="7895961" y="4207251"/>
+              <a:ext cx="321447" cy="0"/>
+            </a:xfrm>
+            <a:prstGeom prst="line">
+              <a:avLst/>
+            </a:prstGeom>
+          </p:spPr>
+          <p:style>
+            <a:lnRef idx="1">
+              <a:schemeClr val="accent1"/>
+            </a:lnRef>
+            <a:fillRef idx="0">
+              <a:schemeClr val="accent1"/>
+            </a:fillRef>
+            <a:effectRef idx="0">
+              <a:schemeClr val="accent1"/>
+            </a:effectRef>
+            <a:fontRef idx="minor">
+              <a:schemeClr val="tx1"/>
+            </a:fontRef>
+          </p:style>
+        </p:cxnSp>
+        <p:cxnSp>
+          <p:nvCxnSpPr>
+            <p:cNvPr id="20" name="Straight Connector 19"/>
+            <p:cNvCxnSpPr>
+              <a:stCxn id="61" idx="3"/>
+            </p:cNvCxnSpPr>
+            <p:nvPr/>
+          </p:nvCxnSpPr>
+          <p:spPr>
+            <a:xfrm>
+              <a:off x="7883769" y="5485845"/>
+              <a:ext cx="341376" cy="0"/>
+            </a:xfrm>
+            <a:prstGeom prst="line">
+              <a:avLst/>
+            </a:prstGeom>
+          </p:spPr>
+          <p:style>
+            <a:lnRef idx="1">
+              <a:schemeClr val="accent1"/>
+            </a:lnRef>
+            <a:fillRef idx="0">
+              <a:schemeClr val="accent1"/>
+            </a:fillRef>
+            <a:effectRef idx="0">
+              <a:schemeClr val="accent1"/>
+            </a:effectRef>
+            <a:fontRef idx="minor">
+              <a:schemeClr val="tx1"/>
+            </a:fontRef>
+          </p:style>
+        </p:cxnSp>
+        <p:cxnSp>
+          <p:nvCxnSpPr>
+            <p:cNvPr id="26" name="Straight Connector 25"/>
+            <p:cNvCxnSpPr/>
+            <p:nvPr/>
+          </p:nvCxnSpPr>
+          <p:spPr>
+            <a:xfrm>
+              <a:off x="8225145" y="4846548"/>
+              <a:ext cx="297063" cy="0"/>
+            </a:xfrm>
+            <a:prstGeom prst="line">
+              <a:avLst/>
+            </a:prstGeom>
+          </p:spPr>
+          <p:style>
+            <a:lnRef idx="1">
+              <a:schemeClr val="accent1"/>
+            </a:lnRef>
+            <a:fillRef idx="0">
+              <a:schemeClr val="accent1"/>
+            </a:fillRef>
+            <a:effectRef idx="0">
+              <a:schemeClr val="accent1"/>
+            </a:effectRef>
+            <a:fontRef idx="minor">
+              <a:schemeClr val="tx1"/>
+            </a:fontRef>
+          </p:style>
+        </p:cxnSp>
+      </p:grpSp>
+      <p:cxnSp>
+        <p:nvCxnSpPr>
+          <p:cNvPr id="32" name="Straight Connector 31"/>
+          <p:cNvCxnSpPr/>
+          <p:nvPr/>
+        </p:nvCxnSpPr>
+        <p:spPr>
+          <a:xfrm>
+            <a:off x="8348003" y="4851518"/>
+            <a:ext cx="0" cy="1367934"/>
+          </a:xfrm>
+          <a:prstGeom prst="line">
+            <a:avLst/>
+          </a:prstGeom>
+        </p:spPr>
+        <p:style>
+          <a:lnRef idx="1">
+            <a:schemeClr val="accent1"/>
+          </a:lnRef>
+          <a:fillRef idx="0">
+            <a:schemeClr val="accent1"/>
+          </a:fillRef>
+          <a:effectRef idx="0">
+            <a:schemeClr val="accent1"/>
+          </a:effectRef>
+          <a:fontRef idx="minor">
+            <a:schemeClr val="tx1"/>
+          </a:fontRef>
+        </p:style>
+      </p:cxnSp>
+      <p:sp>
+        <p:nvSpPr>
+          <p:cNvPr id="33" name="TextBox 32"/>
+          <p:cNvSpPr txBox="1"/>
+          <p:nvPr/>
+        </p:nvSpPr>
+        <p:spPr>
+          <a:xfrm>
+            <a:off x="7310239" y="6224422"/>
+            <a:ext cx="1936749" cy="369332"/>
+          </a:xfrm>
+          <a:prstGeom prst="rect">
+            <a:avLst/>
+          </a:prstGeom>
+          <a:noFill/>
+        </p:spPr>
+        <p:txBody>
+          <a:bodyPr wrap="none" rtlCol="0">
+            <a:spAutoFit/>
+          </a:bodyPr>
+          <a:lstStyle/>
+          <a:p>
+            <a:r>
+              <a:rPr lang="en-US" dirty="0" smtClean="0"/>
+              <a:t>Unknown </a:t>
+            </a:r>
+            <a:r>
+              <a:rPr lang="en-US" smtClean="0"/>
+              <a:t>to banks</a:t>
+            </a:r>
+            <a:endParaRPr lang="en-US"/>
+          </a:p>
+        </p:txBody>
+      </p:sp>
     </p:spTree>
     <p:extLst>
       <p:ext uri="{BB962C8B-B14F-4D97-AF65-F5344CB8AC3E}">
@@ -11758,6 +12464,13 @@
   <p:clrMapOvr>
     <a:masterClrMapping/>
   </p:clrMapOvr>
+  <p:timing>
+    <p:tnLst>
+      <p:par>
+        <p:cTn id="1" dur="indefinite" restart="never" nodeType="tmRoot"/>
+      </p:par>
+    </p:tnLst>
+  </p:timing>
 </p:sld>
 </file>
 
@@ -11895,6 +12608,13 @@
   <p:clrMapOvr>
     <a:masterClrMapping/>
   </p:clrMapOvr>
+  <p:timing>
+    <p:tnLst>
+      <p:par>
+        <p:cTn id="1" dur="indefinite" restart="never" nodeType="tmRoot"/>
+      </p:par>
+    </p:tnLst>
+  </p:timing>
 </p:sld>
 </file>
 
@@ -11932,15 +12652,15 @@
           <a:p>
             <a:r>
               <a:rPr lang="en-US" dirty="0" smtClean="0"/>
-              <a:t>4. Model—</a:t>
-            </a:r>
-            <a:r>
-              <a:rPr lang="en-US" dirty="0" err="1" smtClean="0"/>
-              <a:t>Comercial</a:t>
-            </a:r>
-            <a:r>
-              <a:rPr lang="en-US" dirty="0" smtClean="0"/>
-              <a:t> Banks (cont.)</a:t>
+              <a:t>4</a:t>
+            </a:r>
+            <a:r>
+              <a:rPr lang="en-US" smtClean="0"/>
+              <a:t>. Model—Commercial </a:t>
+            </a:r>
+            <a:r>
+              <a:rPr lang="en-US" dirty="0" smtClean="0"/>
+              <a:t>Banks (cont.)</a:t>
             </a:r>
             <a:endParaRPr lang="en-US" dirty="0"/>
           </a:p>
@@ -11954,7 +12674,7 @@
         </p:nvSpPr>
         <p:spPr>
           <a:xfrm>
-            <a:off x="5003995" y="1690688"/>
+            <a:off x="5000093" y="1391255"/>
             <a:ext cx="928468" cy="868739"/>
           </a:xfrm>
           <a:prstGeom prst="ellipse">
@@ -11994,7 +12714,7 @@
         </p:nvSpPr>
         <p:spPr>
           <a:xfrm>
-            <a:off x="5361952" y="1943792"/>
+            <a:off x="5358050" y="1644359"/>
             <a:ext cx="239150" cy="369332"/>
           </a:xfrm>
           <a:prstGeom prst="rect">
@@ -12025,7 +12745,7 @@
         </p:nvSpPr>
         <p:spPr>
           <a:xfrm>
-            <a:off x="3239672" y="3181863"/>
+            <a:off x="3239672" y="3669543"/>
             <a:ext cx="928468" cy="928468"/>
           </a:xfrm>
           <a:prstGeom prst="roundRect">
@@ -12066,7 +12786,7 @@
         </p:nvSpPr>
         <p:spPr>
           <a:xfrm>
-            <a:off x="3549161" y="3461431"/>
+            <a:off x="3549161" y="3949111"/>
             <a:ext cx="301686" cy="369332"/>
           </a:xfrm>
           <a:prstGeom prst="rect">
@@ -12095,7 +12815,7 @@
         </p:nvSpPr>
         <p:spPr>
           <a:xfrm>
-            <a:off x="5003995" y="3181863"/>
+            <a:off x="5003995" y="3669543"/>
             <a:ext cx="928468" cy="928468"/>
           </a:xfrm>
           <a:prstGeom prst="roundRect">
@@ -12136,7 +12856,7 @@
         </p:nvSpPr>
         <p:spPr>
           <a:xfrm>
-            <a:off x="5313484" y="3461431"/>
+            <a:off x="5313484" y="3949111"/>
             <a:ext cx="301686" cy="369332"/>
           </a:xfrm>
           <a:prstGeom prst="rect">
@@ -12166,7 +12886,7 @@
         </p:nvSpPr>
         <p:spPr>
           <a:xfrm>
-            <a:off x="6768318" y="3181863"/>
+            <a:off x="6768318" y="3669543"/>
             <a:ext cx="928468" cy="928468"/>
           </a:xfrm>
           <a:prstGeom prst="roundRect">
@@ -12207,7 +12927,7 @@
         </p:nvSpPr>
         <p:spPr>
           <a:xfrm>
-            <a:off x="7077807" y="3461431"/>
+            <a:off x="7077807" y="3949111"/>
             <a:ext cx="301686" cy="369332"/>
           </a:xfrm>
           <a:prstGeom prst="rect">
@@ -12237,7 +12957,7 @@
         </p:nvSpPr>
         <p:spPr>
           <a:xfrm>
-            <a:off x="8114714" y="3351845"/>
+            <a:off x="8114714" y="3839525"/>
             <a:ext cx="2377440" cy="461665"/>
           </a:xfrm>
           <a:prstGeom prst="rect">
@@ -12268,7 +12988,7 @@
         </p:nvSpPr>
         <p:spPr>
           <a:xfrm>
-            <a:off x="838200" y="3461431"/>
+            <a:off x="838200" y="3949111"/>
             <a:ext cx="1322363" cy="369332"/>
           </a:xfrm>
           <a:prstGeom prst="rect">
@@ -12299,7 +13019,7 @@
         </p:nvSpPr>
         <p:spPr>
           <a:xfrm>
-            <a:off x="838199" y="4837720"/>
+            <a:off x="838199" y="5154712"/>
             <a:ext cx="1322363" cy="369332"/>
           </a:xfrm>
           <a:prstGeom prst="rect">
@@ -12329,7 +13049,7 @@
         </p:nvSpPr>
         <p:spPr>
           <a:xfrm>
-            <a:off x="3239672" y="4837720"/>
+            <a:off x="3239672" y="5154712"/>
             <a:ext cx="928467" cy="369332"/>
           </a:xfrm>
           <a:prstGeom prst="rect">
@@ -12360,7 +13080,7 @@
         </p:nvSpPr>
         <p:spPr>
           <a:xfrm>
-            <a:off x="5003995" y="4837720"/>
+            <a:off x="5003995" y="5154712"/>
             <a:ext cx="928468" cy="369332"/>
           </a:xfrm>
           <a:prstGeom prst="rect">
@@ -12391,7 +13111,7 @@
         </p:nvSpPr>
         <p:spPr>
           <a:xfrm>
-            <a:off x="6768318" y="4837720"/>
+            <a:off x="6768318" y="5154712"/>
             <a:ext cx="928468" cy="369332"/>
           </a:xfrm>
           <a:prstGeom prst="rect">
@@ -12546,7 +13266,7 @@
         </p:nvSpPr>
         <p:spPr>
           <a:xfrm>
-            <a:off x="8114714" y="4745387"/>
+            <a:off x="8114714" y="5062379"/>
             <a:ext cx="2377440" cy="461665"/>
           </a:xfrm>
           <a:prstGeom prst="rect">
@@ -12578,6 +13298,160 @@
         <p:spPr>
           <a:xfrm>
             <a:off x="8114714" y="5842108"/>
+            <a:ext cx="2377440" cy="461665"/>
+          </a:xfrm>
+          <a:prstGeom prst="rect">
+            <a:avLst/>
+          </a:prstGeom>
+          <a:noFill/>
+        </p:spPr>
+        <p:txBody>
+          <a:bodyPr wrap="square" rtlCol="0">
+            <a:spAutoFit/>
+          </a:bodyPr>
+          <a:lstStyle/>
+          <a:p>
+            <a:pPr algn="ctr"/>
+            <a:r>
+              <a:rPr lang="en-US" sz="2400" b="1" dirty="0" smtClean="0"/>
+              <a:t>.	.	.</a:t>
+            </a:r>
+            <a:endParaRPr lang="en-US" sz="2400" b="1" dirty="0"/>
+          </a:p>
+        </p:txBody>
+      </p:sp>
+      <p:sp>
+        <p:nvSpPr>
+          <p:cNvPr id="25" name="TextBox 24"/>
+          <p:cNvSpPr txBox="1"/>
+          <p:nvPr/>
+        </p:nvSpPr>
+        <p:spPr>
+          <a:xfrm>
+            <a:off x="838197" y="2783433"/>
+            <a:ext cx="1322363" cy="369332"/>
+          </a:xfrm>
+          <a:prstGeom prst="rect">
+            <a:avLst/>
+          </a:prstGeom>
+          <a:noFill/>
+        </p:spPr>
+        <p:txBody>
+          <a:bodyPr wrap="square" rtlCol="0">
+            <a:spAutoFit/>
+          </a:bodyPr>
+          <a:lstStyle/>
+          <a:p>
+            <a:pPr algn="ctr"/>
+            <a:r>
+              <a:rPr lang="en-US" dirty="0" smtClean="0"/>
+              <a:t>Time steps</a:t>
+            </a:r>
+          </a:p>
+        </p:txBody>
+      </p:sp>
+      <p:sp>
+        <p:nvSpPr>
+          <p:cNvPr id="3" name="TextBox 2"/>
+          <p:cNvSpPr txBox="1"/>
+          <p:nvPr/>
+        </p:nvSpPr>
+        <p:spPr>
+          <a:xfrm>
+            <a:off x="3239672" y="2783433"/>
+            <a:ext cx="928467" cy="369332"/>
+          </a:xfrm>
+          <a:prstGeom prst="rect">
+            <a:avLst/>
+          </a:prstGeom>
+          <a:noFill/>
+        </p:spPr>
+        <p:txBody>
+          <a:bodyPr wrap="square" rtlCol="0">
+            <a:spAutoFit/>
+          </a:bodyPr>
+          <a:lstStyle/>
+          <a:p>
+            <a:pPr algn="ctr"/>
+            <a:r>
+              <a:rPr lang="en-US" dirty="0" smtClean="0"/>
+              <a:t>1</a:t>
+            </a:r>
+            <a:endParaRPr lang="en-US" dirty="0"/>
+          </a:p>
+        </p:txBody>
+      </p:sp>
+      <p:sp>
+        <p:nvSpPr>
+          <p:cNvPr id="27" name="TextBox 26"/>
+          <p:cNvSpPr txBox="1"/>
+          <p:nvPr/>
+        </p:nvSpPr>
+        <p:spPr>
+          <a:xfrm>
+            <a:off x="5000093" y="2783433"/>
+            <a:ext cx="928468" cy="369332"/>
+          </a:xfrm>
+          <a:prstGeom prst="rect">
+            <a:avLst/>
+          </a:prstGeom>
+          <a:noFill/>
+        </p:spPr>
+        <p:txBody>
+          <a:bodyPr wrap="square" rtlCol="0">
+            <a:spAutoFit/>
+          </a:bodyPr>
+          <a:lstStyle/>
+          <a:p>
+            <a:pPr algn="ctr"/>
+            <a:r>
+              <a:rPr lang="en-US" dirty="0" smtClean="0"/>
+              <a:t>2</a:t>
+            </a:r>
+            <a:endParaRPr lang="en-US" dirty="0"/>
+          </a:p>
+        </p:txBody>
+      </p:sp>
+      <p:sp>
+        <p:nvSpPr>
+          <p:cNvPr id="28" name="TextBox 27"/>
+          <p:cNvSpPr txBox="1"/>
+          <p:nvPr/>
+        </p:nvSpPr>
+        <p:spPr>
+          <a:xfrm>
+            <a:off x="6768318" y="2783433"/>
+            <a:ext cx="928468" cy="369332"/>
+          </a:xfrm>
+          <a:prstGeom prst="rect">
+            <a:avLst/>
+          </a:prstGeom>
+          <a:noFill/>
+        </p:spPr>
+        <p:txBody>
+          <a:bodyPr wrap="square" rtlCol="0">
+            <a:spAutoFit/>
+          </a:bodyPr>
+          <a:lstStyle/>
+          <a:p>
+            <a:pPr algn="ctr"/>
+            <a:r>
+              <a:rPr lang="en-US" smtClean="0"/>
+              <a:t>3</a:t>
+            </a:r>
+            <a:endParaRPr lang="en-US" dirty="0"/>
+          </a:p>
+        </p:txBody>
+      </p:sp>
+      <p:sp>
+        <p:nvSpPr>
+          <p:cNvPr id="29" name="TextBox 28"/>
+          <p:cNvSpPr txBox="1"/>
+          <p:nvPr/>
+        </p:nvSpPr>
+        <p:spPr>
+          <a:xfrm>
+            <a:off x="8114714" y="2737266"/>
             <a:ext cx="2377440" cy="461665"/>
           </a:xfrm>
           <a:prstGeom prst="rect">
@@ -12610,6 +13484,13 @@
   <p:clrMapOvr>
     <a:masterClrMapping/>
   </p:clrMapOvr>
+  <p:timing>
+    <p:tnLst>
+      <p:par>
+        <p:cTn id="1" dur="indefinite" restart="never" nodeType="tmRoot"/>
+      </p:par>
+    </p:tnLst>
+  </p:timing>
 </p:sld>
 </file>
 
